--- a/_LECTIONS/12/12_frameworks.pptx
+++ b/_LECTIONS/12/12_frameworks.pptx
@@ -209,7 +209,7 @@
           <a:p>
             <a:fld id="{FA3D25D3-EFB9-43E6-9BC3-84E0133AFF68}" type="datetimeFigureOut">
               <a:rPr lang="ru-RU" smtClean="0"/>
-              <a:t>07.06.2020</a:t>
+              <a:t>08.06.2020</a:t>
             </a:fld>
             <a:endParaRPr lang="ru-RU"/>
           </a:p>
@@ -1283,7 +1283,7 @@
           <a:p>
             <a:fld id="{C71D6FBD-E507-4E6B-B484-710CE9E1609C}" type="datetimeFigureOut">
               <a:rPr lang="ru-RU" smtClean="0"/>
-              <a:t>06.06.2020</a:t>
+              <a:t>08.06.2020</a:t>
             </a:fld>
             <a:endParaRPr lang="ru-RU"/>
           </a:p>
@@ -1534,7 +1534,7 @@
           <a:p>
             <a:fld id="{C71D6FBD-E507-4E6B-B484-710CE9E1609C}" type="datetimeFigureOut">
               <a:rPr lang="ru-RU" smtClean="0"/>
-              <a:t>06.06.2020</a:t>
+              <a:t>08.06.2020</a:t>
             </a:fld>
             <a:endParaRPr lang="ru-RU"/>
           </a:p>
@@ -1848,7 +1848,7 @@
           <a:p>
             <a:fld id="{C71D6FBD-E507-4E6B-B484-710CE9E1609C}" type="datetimeFigureOut">
               <a:rPr lang="ru-RU" smtClean="0"/>
-              <a:t>06.06.2020</a:t>
+              <a:t>08.06.2020</a:t>
             </a:fld>
             <a:endParaRPr lang="ru-RU"/>
           </a:p>
@@ -2189,7 +2189,7 @@
           <a:p>
             <a:fld id="{C71D6FBD-E507-4E6B-B484-710CE9E1609C}" type="datetimeFigureOut">
               <a:rPr lang="ru-RU" smtClean="0"/>
-              <a:t>06.06.2020</a:t>
+              <a:t>08.06.2020</a:t>
             </a:fld>
             <a:endParaRPr lang="ru-RU"/>
           </a:p>
@@ -2503,7 +2503,7 @@
           <a:p>
             <a:fld id="{C71D6FBD-E507-4E6B-B484-710CE9E1609C}" type="datetimeFigureOut">
               <a:rPr lang="ru-RU" smtClean="0"/>
-              <a:t>06.06.2020</a:t>
+              <a:t>08.06.2020</a:t>
             </a:fld>
             <a:endParaRPr lang="ru-RU"/>
           </a:p>
@@ -2896,7 +2896,7 @@
           <a:p>
             <a:fld id="{C71D6FBD-E507-4E6B-B484-710CE9E1609C}" type="datetimeFigureOut">
               <a:rPr lang="ru-RU" smtClean="0"/>
-              <a:t>06.06.2020</a:t>
+              <a:t>08.06.2020</a:t>
             </a:fld>
             <a:endParaRPr lang="ru-RU"/>
           </a:p>
@@ -3066,7 +3066,7 @@
           <a:p>
             <a:fld id="{C71D6FBD-E507-4E6B-B484-710CE9E1609C}" type="datetimeFigureOut">
               <a:rPr lang="ru-RU" smtClean="0"/>
-              <a:t>06.06.2020</a:t>
+              <a:t>08.06.2020</a:t>
             </a:fld>
             <a:endParaRPr lang="ru-RU"/>
           </a:p>
@@ -3246,7 +3246,7 @@
           <a:p>
             <a:fld id="{C71D6FBD-E507-4E6B-B484-710CE9E1609C}" type="datetimeFigureOut">
               <a:rPr lang="ru-RU" smtClean="0"/>
-              <a:t>06.06.2020</a:t>
+              <a:t>08.06.2020</a:t>
             </a:fld>
             <a:endParaRPr lang="ru-RU"/>
           </a:p>
@@ -3422,7 +3422,7 @@
           <a:p>
             <a:fld id="{C71D6FBD-E507-4E6B-B484-710CE9E1609C}" type="datetimeFigureOut">
               <a:rPr lang="ru-RU" smtClean="0"/>
-              <a:t>06.06.2020</a:t>
+              <a:t>08.06.2020</a:t>
             </a:fld>
             <a:endParaRPr lang="ru-RU"/>
           </a:p>
@@ -3669,7 +3669,7 @@
           <a:p>
             <a:fld id="{C71D6FBD-E507-4E6B-B484-710CE9E1609C}" type="datetimeFigureOut">
               <a:rPr lang="ru-RU" smtClean="0"/>
-              <a:t>06.06.2020</a:t>
+              <a:t>08.06.2020</a:t>
             </a:fld>
             <a:endParaRPr lang="ru-RU"/>
           </a:p>
@@ -3901,7 +3901,7 @@
           <a:p>
             <a:fld id="{C71D6FBD-E507-4E6B-B484-710CE9E1609C}" type="datetimeFigureOut">
               <a:rPr lang="ru-RU" smtClean="0"/>
-              <a:t>06.06.2020</a:t>
+              <a:t>08.06.2020</a:t>
             </a:fld>
             <a:endParaRPr lang="ru-RU"/>
           </a:p>
@@ -4275,7 +4275,7 @@
           <a:p>
             <a:fld id="{C71D6FBD-E507-4E6B-B484-710CE9E1609C}" type="datetimeFigureOut">
               <a:rPr lang="ru-RU" smtClean="0"/>
-              <a:t>06.06.2020</a:t>
+              <a:t>08.06.2020</a:t>
             </a:fld>
             <a:endParaRPr lang="ru-RU"/>
           </a:p>
@@ -4398,7 +4398,7 @@
           <a:p>
             <a:fld id="{C71D6FBD-E507-4E6B-B484-710CE9E1609C}" type="datetimeFigureOut">
               <a:rPr lang="ru-RU" smtClean="0"/>
-              <a:t>06.06.2020</a:t>
+              <a:t>08.06.2020</a:t>
             </a:fld>
             <a:endParaRPr lang="ru-RU"/>
           </a:p>
@@ -4493,7 +4493,7 @@
           <a:p>
             <a:fld id="{C71D6FBD-E507-4E6B-B484-710CE9E1609C}" type="datetimeFigureOut">
               <a:rPr lang="ru-RU" smtClean="0"/>
-              <a:t>06.06.2020</a:t>
+              <a:t>08.06.2020</a:t>
             </a:fld>
             <a:endParaRPr lang="ru-RU"/>
           </a:p>
@@ -4748,7 +4748,7 @@
           <a:p>
             <a:fld id="{C71D6FBD-E507-4E6B-B484-710CE9E1609C}" type="datetimeFigureOut">
               <a:rPr lang="ru-RU" smtClean="0"/>
-              <a:t>06.06.2020</a:t>
+              <a:t>08.06.2020</a:t>
             </a:fld>
             <a:endParaRPr lang="ru-RU"/>
           </a:p>
@@ -5011,7 +5011,7 @@
           <a:p>
             <a:fld id="{C71D6FBD-E507-4E6B-B484-710CE9E1609C}" type="datetimeFigureOut">
               <a:rPr lang="ru-RU" smtClean="0"/>
-              <a:t>06.06.2020</a:t>
+              <a:t>08.06.2020</a:t>
             </a:fld>
             <a:endParaRPr lang="ru-RU"/>
           </a:p>
@@ -5754,7 +5754,7 @@
           <a:p>
             <a:fld id="{C71D6FBD-E507-4E6B-B484-710CE9E1609C}" type="datetimeFigureOut">
               <a:rPr lang="ru-RU" smtClean="0"/>
-              <a:t>06.06.2020</a:t>
+              <a:t>08.06.2020</a:t>
             </a:fld>
             <a:endParaRPr lang="ru-RU"/>
           </a:p>
@@ -6969,10 +6969,32 @@
               <a:rPr lang="en-US" b="1" dirty="0" smtClean="0"/>
               <a:t>Configuration</a:t>
             </a:r>
-            <a:r>
-              <a:rPr lang="en-US" dirty="0" smtClean="0"/>
-              <a:t> </a:t>
-            </a:r>
+            <a:endParaRPr lang="ru-RU" b="1" dirty="0" smtClean="0"/>
+          </a:p>
+          <a:p>
+            <a:endParaRPr lang="ru-RU" b="1" dirty="0"/>
+          </a:p>
+          <a:p>
+            <a:r>
+              <a:rPr lang="en-US" dirty="0">
+                <a:hlinkClick r:id="rId2"/>
+              </a:rPr>
+              <a:t>https://habr.com/ru/post/334448</a:t>
+            </a:r>
+            <a:r>
+              <a:rPr lang="en-US" dirty="0" smtClean="0">
+                <a:hlinkClick r:id="rId2"/>
+              </a:rPr>
+              <a:t>/</a:t>
+            </a:r>
+            <a:endParaRPr lang="ru-RU" dirty="0" smtClean="0"/>
+          </a:p>
+          <a:p>
+            <a:r>
+              <a:rPr lang="en-US" smtClean="0"/>
+              <a:t>Demo spring-example </a:t>
+            </a:r>
+            <a:endParaRPr lang="en-US" dirty="0" smtClean="0"/>
           </a:p>
           <a:p>
             <a:endParaRPr lang="en-US" dirty="0" smtClean="0"/>
